--- a/w5/w5-s5-av-slide1.pptx
+++ b/w5/w5-s5-av-slide1.pptx
@@ -5621,10 +5621,10 @@
         </p:nvGrpSpPr>
         <p:grpSpPr>
           <a:xfrm>
-            <a:off x="4965456" y="2412891"/>
-            <a:ext cx="4024261" cy="4355865"/>
-            <a:chOff x="4958863" y="2318942"/>
-            <a:chExt cx="4024261" cy="4355865"/>
+            <a:off x="4965456" y="2504395"/>
+            <a:ext cx="4365433" cy="4264361"/>
+            <a:chOff x="4958863" y="2410446"/>
+            <a:chExt cx="4365433" cy="4264361"/>
           </a:xfrm>
         </p:grpSpPr>
         <p:sp>
@@ -5679,8 +5679,8 @@
           </p:nvSpPr>
           <p:spPr>
             <a:xfrm>
-              <a:off x="5528724" y="2318942"/>
-              <a:ext cx="3454400" cy="923330"/>
+              <a:off x="5869896" y="2410446"/>
+              <a:ext cx="3454400" cy="707886"/>
             </a:xfrm>
             <a:prstGeom prst="rect">
               <a:avLst/>
@@ -5694,60 +5694,66 @@
             <a:lstStyle/>
             <a:p>
               <a:r>
-                <a:rPr lang="fr-FR" sz="5400" dirty="0">
+                <a:rPr lang="fr-FR" sz="4000" dirty="0">
                   <a:latin typeface="Calibri" panose="020F0502020204030204" pitchFamily="34" charset="0"/>
                 </a:rPr>
                 <a:t>objets</a:t>
               </a:r>
+              <a:endParaRPr lang="fr-FR" sz="5400" dirty="0">
+                <a:latin typeface="Calibri" panose="020F0502020204030204" pitchFamily="34" charset="0"/>
+              </a:endParaRPr>
             </a:p>
           </p:txBody>
         </p:sp>
       </p:grpSp>
+      <p:sp>
+        <p:nvSpPr>
+          <p:cNvPr id="7" name="ZoneTexte 6"/>
+          <p:cNvSpPr txBox="1"/>
+          <p:nvPr/>
+        </p:nvSpPr>
+        <p:spPr>
+          <a:xfrm>
+            <a:off x="0" y="2526852"/>
+            <a:ext cx="4698758" cy="707886"/>
+          </a:xfrm>
+          <a:prstGeom prst="rect">
+            <a:avLst/>
+          </a:prstGeom>
+          <a:noFill/>
+        </p:spPr>
+        <p:txBody>
+          <a:bodyPr wrap="square" rtlCol="0">
+            <a:spAutoFit/>
+          </a:bodyPr>
+          <a:lstStyle/>
+          <a:p>
+            <a:r>
+              <a:rPr lang="fr-FR" sz="4000" dirty="0" smtClean="0">
+                <a:latin typeface="Calibri" panose="020F0502020204030204" pitchFamily="34" charset="0"/>
+              </a:rPr>
+              <a:t>Espaces de nommage</a:t>
+            </a:r>
+            <a:endParaRPr lang="fr-FR" sz="4000" dirty="0">
+              <a:latin typeface="Calibri" panose="020F0502020204030204" pitchFamily="34" charset="0"/>
+            </a:endParaRPr>
+          </a:p>
+        </p:txBody>
+      </p:sp>
       <p:grpSp>
         <p:nvGrpSpPr>
-          <p:cNvPr id="12" name="Groupe 11"/>
+          <p:cNvPr id="9" name="Groupe 8"/>
           <p:cNvGrpSpPr/>
           <p:nvPr/>
         </p:nvGrpSpPr>
         <p:grpSpPr>
           <a:xfrm>
-            <a:off x="176557" y="2412891"/>
-            <a:ext cx="3827311" cy="4355866"/>
-            <a:chOff x="875869" y="2318942"/>
-            <a:chExt cx="3827311" cy="4355866"/>
+            <a:off x="146977" y="3212281"/>
+            <a:ext cx="4347610" cy="1563846"/>
+            <a:chOff x="146977" y="3212281"/>
+            <a:chExt cx="4347610" cy="1563846"/>
           </a:xfrm>
         </p:grpSpPr>
-        <p:sp>
-          <p:nvSpPr>
-            <p:cNvPr id="7" name="ZoneTexte 6"/>
-            <p:cNvSpPr txBox="1"/>
-            <p:nvPr/>
-          </p:nvSpPr>
-          <p:spPr>
-            <a:xfrm>
-              <a:off x="1248780" y="2318942"/>
-              <a:ext cx="3454400" cy="923330"/>
-            </a:xfrm>
-            <a:prstGeom prst="rect">
-              <a:avLst/>
-            </a:prstGeom>
-            <a:noFill/>
-          </p:spPr>
-          <p:txBody>
-            <a:bodyPr wrap="square" rtlCol="0">
-              <a:spAutoFit/>
-            </a:bodyPr>
-            <a:lstStyle/>
-            <a:p>
-              <a:r>
-                <a:rPr lang="fr-FR" sz="5400" dirty="0">
-                  <a:latin typeface="Calibri" panose="020F0502020204030204" pitchFamily="34" charset="0"/>
-                </a:rPr>
-                <a:t>variables</a:t>
-              </a:r>
-            </a:p>
-          </p:txBody>
-        </p:sp>
         <p:sp>
           <p:nvSpPr>
             <p:cNvPr id="5" name="Rectangle 4"/>
@@ -5756,8 +5762,8 @@
           </p:nvSpPr>
           <p:spPr bwMode="auto">
             <a:xfrm>
-              <a:off x="875869" y="3118332"/>
-              <a:ext cx="3581654" cy="3556476"/>
+              <a:off x="176556" y="3212281"/>
+              <a:ext cx="4318031" cy="1563846"/>
             </a:xfrm>
             <a:prstGeom prst="rect">
               <a:avLst/>
@@ -5792,111 +5798,41 @@
             </a:p>
           </p:txBody>
         </p:sp>
+        <p:sp>
+          <p:nvSpPr>
+            <p:cNvPr id="30" name="ZoneTexte 29"/>
+            <p:cNvSpPr txBox="1"/>
+            <p:nvPr/>
+          </p:nvSpPr>
+          <p:spPr>
+            <a:xfrm>
+              <a:off x="146977" y="3212281"/>
+              <a:ext cx="1932709" cy="584775"/>
+            </a:xfrm>
+            <a:prstGeom prst="rect">
+              <a:avLst/>
+            </a:prstGeom>
+            <a:noFill/>
+          </p:spPr>
+          <p:txBody>
+            <a:bodyPr wrap="square" rtlCol="0">
+              <a:spAutoFit/>
+            </a:bodyPr>
+            <a:lstStyle/>
+            <a:p>
+              <a:r>
+                <a:rPr lang="fr-FR" sz="3200" dirty="0">
+                  <a:solidFill>
+                    <a:srgbClr val="FF0000"/>
+                  </a:solidFill>
+                  <a:latin typeface="Calibri" panose="020F0502020204030204" pitchFamily="34" charset="0"/>
+                </a:rPr>
+                <a:t>spam</a:t>
+              </a:r>
+            </a:p>
+          </p:txBody>
+        </p:sp>
       </p:grpSp>
-      <p:cxnSp>
-        <p:nvCxnSpPr>
-          <p:cNvPr id="15" name="Connecteur droit 14"/>
-          <p:cNvCxnSpPr>
-            <a:stCxn id="5" idx="1"/>
-            <a:endCxn id="5" idx="3"/>
-          </p:cNvCxnSpPr>
-          <p:nvPr/>
-        </p:nvCxnSpPr>
-        <p:spPr bwMode="auto">
-          <a:xfrm>
-            <a:off x="176557" y="4990519"/>
-            <a:ext cx="3581654" cy="0"/>
-          </a:xfrm>
-          <a:prstGeom prst="line">
-            <a:avLst/>
-          </a:prstGeom>
-          <a:noFill/>
-          <a:ln w="38100" cap="flat" cmpd="sng" algn="ctr">
-            <a:solidFill>
-              <a:schemeClr val="tx1"/>
-            </a:solidFill>
-            <a:prstDash val="solid"/>
-            <a:round/>
-            <a:headEnd type="none" w="med" len="med"/>
-            <a:tailEnd type="none" w="lg" len="lg"/>
-          </a:ln>
-          <a:effectLst/>
-        </p:spPr>
-      </p:cxnSp>
-      <p:sp>
-        <p:nvSpPr>
-          <p:cNvPr id="30" name="ZoneTexte 29"/>
-          <p:cNvSpPr txBox="1"/>
-          <p:nvPr/>
-        </p:nvSpPr>
-        <p:spPr>
-          <a:xfrm>
-            <a:off x="146977" y="3212281"/>
-            <a:ext cx="1932709" cy="584775"/>
-          </a:xfrm>
-          <a:prstGeom prst="rect">
-            <a:avLst/>
-          </a:prstGeom>
-          <a:noFill/>
-        </p:spPr>
-        <p:txBody>
-          <a:bodyPr wrap="square" rtlCol="0">
-            <a:spAutoFit/>
-          </a:bodyPr>
-          <a:lstStyle/>
-          <a:p>
-            <a:r>
-              <a:rPr lang="fr-FR" sz="3200" dirty="0">
-                <a:solidFill>
-                  <a:srgbClr val="FF0000"/>
-                </a:solidFill>
-                <a:latin typeface="Calibri" panose="020F0502020204030204" pitchFamily="34" charset="0"/>
-              </a:rPr>
-              <a:t>spam</a:t>
-            </a:r>
-          </a:p>
-        </p:txBody>
-      </p:sp>
-      <p:sp>
-        <p:nvSpPr>
-          <p:cNvPr id="34" name="ZoneTexte 33"/>
-          <p:cNvSpPr txBox="1"/>
-          <p:nvPr/>
-        </p:nvSpPr>
-        <p:spPr>
-          <a:xfrm>
-            <a:off x="176557" y="4979633"/>
-            <a:ext cx="1932709" cy="584775"/>
-          </a:xfrm>
-          <a:prstGeom prst="rect">
-            <a:avLst/>
-          </a:prstGeom>
-          <a:noFill/>
-        </p:spPr>
-        <p:txBody>
-          <a:bodyPr wrap="square" rtlCol="0">
-            <a:spAutoFit/>
-          </a:bodyPr>
-          <a:lstStyle/>
-          <a:p>
-            <a:r>
-              <a:rPr lang="fr-FR" sz="3200" dirty="0" err="1">
-                <a:solidFill>
-                  <a:srgbClr val="FF0000"/>
-                </a:solidFill>
-                <a:latin typeface="Calibri" panose="020F0502020204030204" pitchFamily="34" charset="0"/>
-              </a:rPr>
-              <a:t>egg</a:t>
-            </a:r>
-            <a:endParaRPr lang="fr-FR" sz="3200" dirty="0">
-              <a:solidFill>
-                <a:srgbClr val="FF0000"/>
-              </a:solidFill>
-              <a:latin typeface="Calibri" panose="020F0502020204030204" pitchFamily="34" charset="0"/>
-            </a:endParaRPr>
-          </a:p>
-        </p:txBody>
-      </p:sp>
       <p:sp>
         <p:nvSpPr>
           <p:cNvPr id="53" name="ZoneTexte 52"/>
@@ -5905,7 +5841,7 @@
         </p:nvSpPr>
         <p:spPr>
           <a:xfrm>
-            <a:off x="1571402" y="3412818"/>
+            <a:off x="2037330" y="3380722"/>
             <a:ext cx="536730" cy="584775"/>
           </a:xfrm>
           <a:prstGeom prst="rect">
@@ -6215,7 +6151,7 @@
         </p:nvSpPr>
         <p:spPr>
           <a:xfrm>
-            <a:off x="1571402" y="4085144"/>
+            <a:off x="2037330" y="4070905"/>
             <a:ext cx="536730" cy="584775"/>
           </a:xfrm>
           <a:prstGeom prst="rect">
@@ -6246,7 +6182,7 @@
         </p:nvSpPr>
         <p:spPr>
           <a:xfrm>
-            <a:off x="1571402" y="5515076"/>
+            <a:off x="2085439" y="5499529"/>
             <a:ext cx="536730" cy="584775"/>
           </a:xfrm>
           <a:prstGeom prst="rect">
@@ -6277,7 +6213,7 @@
         </p:nvSpPr>
         <p:spPr>
           <a:xfrm>
-            <a:off x="1571402" y="6075831"/>
+            <a:off x="2068256" y="6016642"/>
             <a:ext cx="536730" cy="584775"/>
           </a:xfrm>
           <a:prstGeom prst="rect">
@@ -6388,7 +6324,7 @@
         </p:nvSpPr>
         <p:spPr>
           <a:xfrm>
-            <a:off x="1244182" y="5059656"/>
+            <a:off x="1551924" y="5043802"/>
             <a:ext cx="1092597" cy="584775"/>
           </a:xfrm>
           <a:prstGeom prst="rect">
@@ -6456,8 +6392,8 @@
         </p:nvSpPr>
         <p:spPr bwMode="auto">
           <a:xfrm>
-            <a:off x="2328745" y="4811869"/>
-            <a:ext cx="3236742" cy="568014"/>
+            <a:off x="2603477" y="4811869"/>
+            <a:ext cx="2962010" cy="568014"/>
           </a:xfrm>
           <a:custGeom>
             <a:avLst/>
@@ -6535,8 +6471,8 @@
         </p:nvSpPr>
         <p:spPr bwMode="auto">
           <a:xfrm>
-            <a:off x="1982916" y="5396185"/>
-            <a:ext cx="3455963" cy="592126"/>
+            <a:off x="2603477" y="5396185"/>
+            <a:ext cx="2835402" cy="592126"/>
           </a:xfrm>
           <a:custGeom>
             <a:avLst/>
@@ -6614,8 +6550,8 @@
         </p:nvSpPr>
         <p:spPr bwMode="auto">
           <a:xfrm>
-            <a:off x="1857479" y="6383380"/>
-            <a:ext cx="4636477" cy="385377"/>
+            <a:off x="2574060" y="6383380"/>
+            <a:ext cx="3919896" cy="385377"/>
           </a:xfrm>
           <a:custGeom>
             <a:avLst/>
@@ -6693,8 +6629,8 @@
         </p:nvSpPr>
         <p:spPr bwMode="auto">
           <a:xfrm>
-            <a:off x="1979399" y="3315136"/>
-            <a:ext cx="3257785" cy="435240"/>
+            <a:off x="2605696" y="3315136"/>
+            <a:ext cx="2631488" cy="435240"/>
           </a:xfrm>
           <a:custGeom>
             <a:avLst/>
@@ -6772,8 +6708,8 @@
         </p:nvSpPr>
         <p:spPr bwMode="auto">
           <a:xfrm>
-            <a:off x="1994638" y="3793752"/>
-            <a:ext cx="4175760" cy="606083"/>
+            <a:off x="2605696" y="3793752"/>
+            <a:ext cx="3564702" cy="606083"/>
           </a:xfrm>
           <a:custGeom>
             <a:avLst/>
@@ -7237,7 +7173,11 @@
             <a:prstGeom prst="rect">
               <a:avLst/>
             </a:prstGeom>
-            <a:noFill/>
+            <a:solidFill>
+              <a:schemeClr val="bg1">
+                <a:alpha val="80000"/>
+              </a:schemeClr>
+            </a:solidFill>
             <a:ln w="63500">
               <a:solidFill>
                 <a:srgbClr val="FF0000"/>
@@ -7354,6 +7294,105 @@
           </p:txBody>
         </p:sp>
       </p:grpSp>
+      <p:grpSp>
+        <p:nvGrpSpPr>
+          <p:cNvPr id="22" name="Groupe 21"/>
+          <p:cNvGrpSpPr/>
+          <p:nvPr/>
+        </p:nvGrpSpPr>
+        <p:grpSpPr>
+          <a:xfrm>
+            <a:off x="149861" y="4979633"/>
+            <a:ext cx="4318031" cy="1610011"/>
+            <a:chOff x="149861" y="4979633"/>
+            <a:chExt cx="4318031" cy="1610011"/>
+          </a:xfrm>
+        </p:grpSpPr>
+        <p:sp>
+          <p:nvSpPr>
+            <p:cNvPr id="34" name="ZoneTexte 33"/>
+            <p:cNvSpPr txBox="1"/>
+            <p:nvPr/>
+          </p:nvSpPr>
+          <p:spPr>
+            <a:xfrm>
+              <a:off x="176557" y="4979633"/>
+              <a:ext cx="1932709" cy="584775"/>
+            </a:xfrm>
+            <a:prstGeom prst="rect">
+              <a:avLst/>
+            </a:prstGeom>
+            <a:noFill/>
+          </p:spPr>
+          <p:txBody>
+            <a:bodyPr wrap="square" rtlCol="0">
+              <a:spAutoFit/>
+            </a:bodyPr>
+            <a:lstStyle/>
+            <a:p>
+              <a:r>
+                <a:rPr lang="fr-FR" sz="3200" dirty="0" err="1">
+                  <a:solidFill>
+                    <a:srgbClr val="FF0000"/>
+                  </a:solidFill>
+                  <a:latin typeface="Calibri" panose="020F0502020204030204" pitchFamily="34" charset="0"/>
+                </a:rPr>
+                <a:t>egg</a:t>
+              </a:r>
+              <a:endParaRPr lang="fr-FR" sz="3200" dirty="0">
+                <a:solidFill>
+                  <a:srgbClr val="FF0000"/>
+                </a:solidFill>
+                <a:latin typeface="Calibri" panose="020F0502020204030204" pitchFamily="34" charset="0"/>
+              </a:endParaRPr>
+            </a:p>
+          </p:txBody>
+        </p:sp>
+        <p:sp>
+          <p:nvSpPr>
+            <p:cNvPr id="50" name="Rectangle 49"/>
+            <p:cNvSpPr/>
+            <p:nvPr/>
+          </p:nvSpPr>
+          <p:spPr bwMode="auto">
+            <a:xfrm>
+              <a:off x="149861" y="5025798"/>
+              <a:ext cx="4318031" cy="1563846"/>
+            </a:xfrm>
+            <a:prstGeom prst="rect">
+              <a:avLst/>
+            </a:prstGeom>
+            <a:noFill/>
+            <a:ln w="38100" cap="flat" cmpd="sng" algn="ctr">
+              <a:solidFill>
+                <a:schemeClr val="tx1"/>
+              </a:solidFill>
+              <a:prstDash val="solid"/>
+              <a:round/>
+              <a:headEnd type="none" w="med" len="med"/>
+              <a:tailEnd type="none" w="med" len="med"/>
+            </a:ln>
+            <a:effectLst/>
+          </p:spPr>
+          <p:txBody>
+            <a:bodyPr vert="horz" wrap="square" lIns="90000" tIns="46800" rIns="90000" bIns="46800" numCol="1" rtlCol="0" anchor="ctr" anchorCtr="0" compatLnSpc="1">
+              <a:prstTxWarp prst="textNoShape">
+                <a:avLst/>
+              </a:prstTxWarp>
+              <a:spAutoFit/>
+            </a:bodyPr>
+            <a:lstStyle/>
+            <a:p>
+              <a:pPr algn="ctr">
+                <a:spcBef>
+                  <a:spcPct val="50000"/>
+                </a:spcBef>
+              </a:pPr>
+              <a:endParaRPr lang="fr-FR"/>
+            </a:p>
+          </p:txBody>
+        </p:sp>
+      </p:grpSp>
     </p:spTree>
     <p:extLst>
       <p:ext uri="{BB962C8B-B14F-4D97-AF65-F5344CB8AC3E}">
@@ -7398,7 +7437,7 @@
                                           </p:stCondLst>
                                         </p:cTn>
                                         <p:tgtEl>
-                                          <p:spTgt spid="12"/>
+                                          <p:spTgt spid="11"/>
                                         </p:tgtEl>
                                         <p:attrNameLst>
                                           <p:attrName>style.visibility</p:attrName>
@@ -7412,7 +7451,7 @@
                                       <p:cBhvr>
                                         <p:cTn id="7" dur="500"/>
                                         <p:tgtEl>
-                                          <p:spTgt spid="12"/>
+                                          <p:spTgt spid="11"/>
                                         </p:tgtEl>
                                       </p:cBhvr>
                                     </p:animEffect>
@@ -7438,7 +7477,7 @@
                             </p:stCondLst>
                             <p:childTnLst>
                               <p:par>
-                                <p:cTn id="10" presetID="10" presetClass="entr" presetSubtype="0" fill="hold" nodeType="clickEffect">
+                                <p:cTn id="10" presetID="10" presetClass="entr" presetSubtype="0" fill="hold" grpId="0" nodeType="clickEffect">
                                   <p:stCondLst>
                                     <p:cond delay="0"/>
                                   </p:stCondLst>
@@ -7451,7 +7490,7 @@
                                           </p:stCondLst>
                                         </p:cTn>
                                         <p:tgtEl>
-                                          <p:spTgt spid="11"/>
+                                          <p:spTgt spid="7"/>
                                         </p:tgtEl>
                                         <p:attrNameLst>
                                           <p:attrName>style.visibility</p:attrName>
@@ -7465,7 +7504,7 @@
                                       <p:cBhvr>
                                         <p:cTn id="12" dur="500"/>
                                         <p:tgtEl>
-                                          <p:spTgt spid="11"/>
+                                          <p:spTgt spid="7"/>
                                         </p:tgtEl>
                                       </p:cBhvr>
                                     </p:animEffect>
@@ -7504,7 +7543,7 @@
                                           </p:stCondLst>
                                         </p:cTn>
                                         <p:tgtEl>
-                                          <p:spTgt spid="15"/>
+                                          <p:spTgt spid="9"/>
                                         </p:tgtEl>
                                         <p:attrNameLst>
                                           <p:attrName>style.visibility</p:attrName>
@@ -7518,7 +7557,7 @@
                                       <p:cBhvr>
                                         <p:cTn id="17" dur="500"/>
                                         <p:tgtEl>
-                                          <p:spTgt spid="15"/>
+                                          <p:spTgt spid="9"/>
                                         </p:tgtEl>
                                       </p:cBhvr>
                                     </p:animEffect>
@@ -7544,7 +7583,7 @@
                             </p:stCondLst>
                             <p:childTnLst>
                               <p:par>
-                                <p:cTn id="20" presetID="10" presetClass="entr" presetSubtype="0" fill="hold" grpId="0" nodeType="clickEffect">
+                                <p:cTn id="20" presetID="10" presetClass="entr" presetSubtype="0" fill="hold" nodeType="clickEffect">
                                   <p:stCondLst>
                                     <p:cond delay="0"/>
                                   </p:stCondLst>
@@ -7557,7 +7596,7 @@
                                           </p:stCondLst>
                                         </p:cTn>
                                         <p:tgtEl>
-                                          <p:spTgt spid="30"/>
+                                          <p:spTgt spid="22"/>
                                         </p:tgtEl>
                                         <p:attrNameLst>
                                           <p:attrName>style.visibility</p:attrName>
@@ -7571,7 +7610,7 @@
                                       <p:cBhvr>
                                         <p:cTn id="22" dur="500"/>
                                         <p:tgtEl>
-                                          <p:spTgt spid="30"/>
+                                          <p:spTgt spid="22"/>
                                         </p:tgtEl>
                                       </p:cBhvr>
                                     </p:animEffect>
@@ -7610,7 +7649,7 @@
                                           </p:stCondLst>
                                         </p:cTn>
                                         <p:tgtEl>
-                                          <p:spTgt spid="34"/>
+                                          <p:spTgt spid="19"/>
                                         </p:tgtEl>
                                         <p:attrNameLst>
                                           <p:attrName>style.visibility</p:attrName>
@@ -7624,7 +7663,7 @@
                                       <p:cBhvr>
                                         <p:cTn id="27" dur="500"/>
                                         <p:tgtEl>
-                                          <p:spTgt spid="34"/>
+                                          <p:spTgt spid="19"/>
                                         </p:tgtEl>
                                       </p:cBhvr>
                                     </p:animEffect>
@@ -7663,7 +7702,7 @@
                                           </p:stCondLst>
                                         </p:cTn>
                                         <p:tgtEl>
-                                          <p:spTgt spid="19"/>
+                                          <p:spTgt spid="35"/>
                                         </p:tgtEl>
                                         <p:attrNameLst>
                                           <p:attrName>style.visibility</p:attrName>
@@ -7677,59 +7716,6 @@
                                       <p:cBhvr>
                                         <p:cTn id="32" dur="500"/>
                                         <p:tgtEl>
-                                          <p:spTgt spid="19"/>
-                                        </p:tgtEl>
-                                      </p:cBhvr>
-                                    </p:animEffect>
-                                  </p:childTnLst>
-                                </p:cTn>
-                              </p:par>
-                            </p:childTnLst>
-                          </p:cTn>
-                        </p:par>
-                      </p:childTnLst>
-                    </p:cTn>
-                  </p:par>
-                  <p:par>
-                    <p:cTn id="33" fill="hold">
-                      <p:stCondLst>
-                        <p:cond delay="indefinite"/>
-                      </p:stCondLst>
-                      <p:childTnLst>
-                        <p:par>
-                          <p:cTn id="34" fill="hold">
-                            <p:stCondLst>
-                              <p:cond delay="0"/>
-                            </p:stCondLst>
-                            <p:childTnLst>
-                              <p:par>
-                                <p:cTn id="35" presetID="10" presetClass="entr" presetSubtype="0" fill="hold" grpId="0" nodeType="clickEffect">
-                                  <p:stCondLst>
-                                    <p:cond delay="0"/>
-                                  </p:stCondLst>
-                                  <p:childTnLst>
-                                    <p:set>
-                                      <p:cBhvr>
-                                        <p:cTn id="36" dur="1" fill="hold">
-                                          <p:stCondLst>
-                                            <p:cond delay="0"/>
-                                          </p:stCondLst>
-                                        </p:cTn>
-                                        <p:tgtEl>
-                                          <p:spTgt spid="35"/>
-                                        </p:tgtEl>
-                                        <p:attrNameLst>
-                                          <p:attrName>style.visibility</p:attrName>
-                                        </p:attrNameLst>
-                                      </p:cBhvr>
-                                      <p:to>
-                                        <p:strVal val="visible"/>
-                                      </p:to>
-                                    </p:set>
-                                    <p:animEffect transition="in" filter="fade">
-                                      <p:cBhvr>
-                                        <p:cTn id="37" dur="500"/>
-                                        <p:tgtEl>
                                           <p:spTgt spid="35"/>
                                         </p:tgtEl>
                                       </p:cBhvr>
@@ -7738,14 +7724,14 @@
                                 </p:cTn>
                               </p:par>
                               <p:par>
-                                <p:cTn id="38" presetID="10" presetClass="exit" presetSubtype="0" fill="hold" grpId="1" nodeType="withEffect">
+                                <p:cTn id="33" presetID="10" presetClass="exit" presetSubtype="0" fill="hold" grpId="1" nodeType="withEffect">
                                   <p:stCondLst>
                                     <p:cond delay="0"/>
                                   </p:stCondLst>
                                   <p:childTnLst>
                                     <p:animEffect transition="out" filter="fade">
                                       <p:cBhvr>
-                                        <p:cTn id="39" dur="500"/>
+                                        <p:cTn id="34" dur="500"/>
                                         <p:tgtEl>
                                           <p:spTgt spid="19"/>
                                         </p:tgtEl>
@@ -7753,7 +7739,7 @@
                                     </p:animEffect>
                                     <p:set>
                                       <p:cBhvr>
-                                        <p:cTn id="40" dur="1" fill="hold">
+                                        <p:cTn id="35" dur="1" fill="hold">
                                           <p:stCondLst>
                                             <p:cond delay="499"/>
                                           </p:stCondLst>
@@ -7779,26 +7765,26 @@
                     </p:cTn>
                   </p:par>
                   <p:par>
-                    <p:cTn id="41" fill="hold">
+                    <p:cTn id="36" fill="hold">
                       <p:stCondLst>
                         <p:cond delay="indefinite"/>
                       </p:stCondLst>
                       <p:childTnLst>
                         <p:par>
-                          <p:cTn id="42" fill="hold">
+                          <p:cTn id="37" fill="hold">
                             <p:stCondLst>
                               <p:cond delay="0"/>
                             </p:stCondLst>
                             <p:childTnLst>
                               <p:par>
-                                <p:cTn id="43" presetID="10" presetClass="entr" presetSubtype="0" fill="hold" grpId="0" nodeType="clickEffect">
+                                <p:cTn id="38" presetID="10" presetClass="entr" presetSubtype="0" fill="hold" grpId="0" nodeType="clickEffect">
                                   <p:stCondLst>
                                     <p:cond delay="0"/>
                                   </p:stCondLst>
                                   <p:childTnLst>
                                     <p:set>
                                       <p:cBhvr>
-                                        <p:cTn id="44" dur="1" fill="hold">
+                                        <p:cTn id="39" dur="1" fill="hold">
                                           <p:stCondLst>
                                             <p:cond delay="0"/>
                                           </p:stCondLst>
@@ -7816,9 +7802,70 @@
                                     </p:set>
                                     <p:animEffect transition="in" filter="fade">
                                       <p:cBhvr>
+                                        <p:cTn id="40" dur="500"/>
+                                        <p:tgtEl>
+                                          <p:spTgt spid="77"/>
+                                        </p:tgtEl>
+                                      </p:cBhvr>
+                                    </p:animEffect>
+                                  </p:childTnLst>
+                                </p:cTn>
+                              </p:par>
+                            </p:childTnLst>
+                          </p:cTn>
+                        </p:par>
+                      </p:childTnLst>
+                    </p:cTn>
+                  </p:par>
+                  <p:par>
+                    <p:cTn id="41" fill="hold">
+                      <p:stCondLst>
+                        <p:cond delay="indefinite"/>
+                      </p:stCondLst>
+                      <p:childTnLst>
+                        <p:par>
+                          <p:cTn id="42" fill="hold">
+                            <p:stCondLst>
+                              <p:cond delay="0"/>
+                            </p:stCondLst>
+                            <p:childTnLst>
+                              <p:par>
+                                <p:cTn id="43" presetID="10" presetClass="entr" presetSubtype="0" fill="hold" nodeType="clickEffect">
+                                  <p:stCondLst>
+                                    <p:cond delay="0"/>
+                                  </p:stCondLst>
+                                  <p:childTnLst>
+                                    <p:set>
+                                      <p:cBhvr>
+                                        <p:cTn id="44" dur="1" fill="hold">
+                                          <p:stCondLst>
+                                            <p:cond delay="0"/>
+                                          </p:stCondLst>
+                                        </p:cTn>
+                                        <p:tgtEl>
+                                          <p:spTgt spid="53">
+                                            <p:txEl>
+                                              <p:pRg st="0" end="0"/>
+                                            </p:txEl>
+                                          </p:spTgt>
+                                        </p:tgtEl>
+                                        <p:attrNameLst>
+                                          <p:attrName>style.visibility</p:attrName>
+                                        </p:attrNameLst>
+                                      </p:cBhvr>
+                                      <p:to>
+                                        <p:strVal val="visible"/>
+                                      </p:to>
+                                    </p:set>
+                                    <p:animEffect transition="in" filter="fade">
+                                      <p:cBhvr>
                                         <p:cTn id="45" dur="500"/>
                                         <p:tgtEl>
-                                          <p:spTgt spid="77"/>
+                                          <p:spTgt spid="53">
+                                            <p:txEl>
+                                              <p:pRg st="0" end="0"/>
+                                            </p:txEl>
+                                          </p:spTgt>
                                         </p:tgtEl>
                                       </p:cBhvr>
                                     </p:animEffect>
@@ -7844,7 +7891,7 @@
                             </p:stCondLst>
                             <p:childTnLst>
                               <p:par>
-                                <p:cTn id="48" presetID="10" presetClass="entr" presetSubtype="0" fill="hold" nodeType="clickEffect">
+                                <p:cTn id="48" presetID="10" presetClass="entr" presetSubtype="0" fill="hold" grpId="0" nodeType="clickEffect">
                                   <p:stCondLst>
                                     <p:cond delay="0"/>
                                   </p:stCondLst>
@@ -7857,11 +7904,7 @@
                                           </p:stCondLst>
                                         </p:cTn>
                                         <p:tgtEl>
-                                          <p:spTgt spid="53">
-                                            <p:txEl>
-                                              <p:pRg st="0" end="0"/>
-                                            </p:txEl>
-                                          </p:spTgt>
+                                          <p:spTgt spid="17"/>
                                         </p:tgtEl>
                                         <p:attrNameLst>
                                           <p:attrName>style.visibility</p:attrName>
@@ -7875,11 +7918,7 @@
                                       <p:cBhvr>
                                         <p:cTn id="50" dur="500"/>
                                         <p:tgtEl>
-                                          <p:spTgt spid="53">
-                                            <p:txEl>
-                                              <p:pRg st="0" end="0"/>
-                                            </p:txEl>
-                                          </p:spTgt>
+                                          <p:spTgt spid="17"/>
                                         </p:tgtEl>
                                       </p:cBhvr>
                                     </p:animEffect>
@@ -7918,7 +7957,7 @@
                                           </p:stCondLst>
                                         </p:cTn>
                                         <p:tgtEl>
-                                          <p:spTgt spid="17"/>
+                                          <p:spTgt spid="36"/>
                                         </p:tgtEl>
                                         <p:attrNameLst>
                                           <p:attrName>style.visibility</p:attrName>
@@ -7932,59 +7971,6 @@
                                       <p:cBhvr>
                                         <p:cTn id="55" dur="500"/>
                                         <p:tgtEl>
-                                          <p:spTgt spid="17"/>
-                                        </p:tgtEl>
-                                      </p:cBhvr>
-                                    </p:animEffect>
-                                  </p:childTnLst>
-                                </p:cTn>
-                              </p:par>
-                            </p:childTnLst>
-                          </p:cTn>
-                        </p:par>
-                      </p:childTnLst>
-                    </p:cTn>
-                  </p:par>
-                  <p:par>
-                    <p:cTn id="56" fill="hold">
-                      <p:stCondLst>
-                        <p:cond delay="indefinite"/>
-                      </p:stCondLst>
-                      <p:childTnLst>
-                        <p:par>
-                          <p:cTn id="57" fill="hold">
-                            <p:stCondLst>
-                              <p:cond delay="0"/>
-                            </p:stCondLst>
-                            <p:childTnLst>
-                              <p:par>
-                                <p:cTn id="58" presetID="10" presetClass="entr" presetSubtype="0" fill="hold" grpId="0" nodeType="clickEffect">
-                                  <p:stCondLst>
-                                    <p:cond delay="0"/>
-                                  </p:stCondLst>
-                                  <p:childTnLst>
-                                    <p:set>
-                                      <p:cBhvr>
-                                        <p:cTn id="59" dur="1" fill="hold">
-                                          <p:stCondLst>
-                                            <p:cond delay="0"/>
-                                          </p:stCondLst>
-                                        </p:cTn>
-                                        <p:tgtEl>
-                                          <p:spTgt spid="36"/>
-                                        </p:tgtEl>
-                                        <p:attrNameLst>
-                                          <p:attrName>style.visibility</p:attrName>
-                                        </p:attrNameLst>
-                                      </p:cBhvr>
-                                      <p:to>
-                                        <p:strVal val="visible"/>
-                                      </p:to>
-                                    </p:set>
-                                    <p:animEffect transition="in" filter="fade">
-                                      <p:cBhvr>
-                                        <p:cTn id="60" dur="500"/>
-                                        <p:tgtEl>
                                           <p:spTgt spid="36"/>
                                         </p:tgtEl>
                                       </p:cBhvr>
@@ -7993,14 +7979,14 @@
                                 </p:cTn>
                               </p:par>
                               <p:par>
-                                <p:cTn id="61" presetID="10" presetClass="exit" presetSubtype="0" fill="hold" grpId="1" nodeType="withEffect">
+                                <p:cTn id="56" presetID="10" presetClass="exit" presetSubtype="0" fill="hold" grpId="1" nodeType="withEffect">
                                   <p:stCondLst>
                                     <p:cond delay="0"/>
                                   </p:stCondLst>
                                   <p:childTnLst>
                                     <p:animEffect transition="out" filter="fade">
                                       <p:cBhvr>
-                                        <p:cTn id="62" dur="500"/>
+                                        <p:cTn id="57" dur="500"/>
                                         <p:tgtEl>
                                           <p:spTgt spid="35"/>
                                         </p:tgtEl>
@@ -8008,7 +7994,7 @@
                                     </p:animEffect>
                                     <p:set>
                                       <p:cBhvr>
-                                        <p:cTn id="63" dur="1" fill="hold">
+                                        <p:cTn id="58" dur="1" fill="hold">
                                           <p:stCondLst>
                                             <p:cond delay="499"/>
                                           </p:stCondLst>
@@ -8024,6 +8010,59 @@
                                         <p:strVal val="hidden"/>
                                       </p:to>
                                     </p:set>
+                                  </p:childTnLst>
+                                </p:cTn>
+                              </p:par>
+                            </p:childTnLst>
+                          </p:cTn>
+                        </p:par>
+                      </p:childTnLst>
+                    </p:cTn>
+                  </p:par>
+                  <p:par>
+                    <p:cTn id="59" fill="hold">
+                      <p:stCondLst>
+                        <p:cond delay="indefinite"/>
+                      </p:stCondLst>
+                      <p:childTnLst>
+                        <p:par>
+                          <p:cTn id="60" fill="hold">
+                            <p:stCondLst>
+                              <p:cond delay="0"/>
+                            </p:stCondLst>
+                            <p:childTnLst>
+                              <p:par>
+                                <p:cTn id="61" presetID="10" presetClass="entr" presetSubtype="0" fill="hold" grpId="0" nodeType="clickEffect">
+                                  <p:stCondLst>
+                                    <p:cond delay="0"/>
+                                  </p:stCondLst>
+                                  <p:childTnLst>
+                                    <p:set>
+                                      <p:cBhvr>
+                                        <p:cTn id="62" dur="1" fill="hold">
+                                          <p:stCondLst>
+                                            <p:cond delay="0"/>
+                                          </p:stCondLst>
+                                        </p:cTn>
+                                        <p:tgtEl>
+                                          <p:spTgt spid="46"/>
+                                        </p:tgtEl>
+                                        <p:attrNameLst>
+                                          <p:attrName>style.visibility</p:attrName>
+                                        </p:attrNameLst>
+                                      </p:cBhvr>
+                                      <p:to>
+                                        <p:strVal val="visible"/>
+                                      </p:to>
+                                    </p:set>
+                                    <p:animEffect transition="in" filter="fade">
+                                      <p:cBhvr>
+                                        <p:cTn id="63" dur="500"/>
+                                        <p:tgtEl>
+                                          <p:spTgt spid="46"/>
+                                        </p:tgtEl>
+                                      </p:cBhvr>
+                                    </p:animEffect>
                                   </p:childTnLst>
                                 </p:cTn>
                               </p:par>
@@ -8059,7 +8098,7 @@
                                           </p:stCondLst>
                                         </p:cTn>
                                         <p:tgtEl>
-                                          <p:spTgt spid="46"/>
+                                          <p:spTgt spid="43"/>
                                         </p:tgtEl>
                                         <p:attrNameLst>
                                           <p:attrName>style.visibility</p:attrName>
@@ -8073,7 +8112,7 @@
                                       <p:cBhvr>
                                         <p:cTn id="68" dur="500"/>
                                         <p:tgtEl>
-                                          <p:spTgt spid="46"/>
+                                          <p:spTgt spid="43"/>
                                         </p:tgtEl>
                                       </p:cBhvr>
                                     </p:animEffect>
@@ -8112,7 +8151,7 @@
                                           </p:stCondLst>
                                         </p:cTn>
                                         <p:tgtEl>
-                                          <p:spTgt spid="43"/>
+                                          <p:spTgt spid="18"/>
                                         </p:tgtEl>
                                         <p:attrNameLst>
                                           <p:attrName>style.visibility</p:attrName>
@@ -8126,7 +8165,7 @@
                                       <p:cBhvr>
                                         <p:cTn id="73" dur="500"/>
                                         <p:tgtEl>
-                                          <p:spTgt spid="43"/>
+                                          <p:spTgt spid="18"/>
                                         </p:tgtEl>
                                       </p:cBhvr>
                                     </p:animEffect>
@@ -8165,7 +8204,7 @@
                                           </p:stCondLst>
                                         </p:cTn>
                                         <p:tgtEl>
-                                          <p:spTgt spid="18"/>
+                                          <p:spTgt spid="49"/>
                                         </p:tgtEl>
                                         <p:attrNameLst>
                                           <p:attrName>style.visibility</p:attrName>
@@ -8179,59 +8218,6 @@
                                       <p:cBhvr>
                                         <p:cTn id="78" dur="500"/>
                                         <p:tgtEl>
-                                          <p:spTgt spid="18"/>
-                                        </p:tgtEl>
-                                      </p:cBhvr>
-                                    </p:animEffect>
-                                  </p:childTnLst>
-                                </p:cTn>
-                              </p:par>
-                            </p:childTnLst>
-                          </p:cTn>
-                        </p:par>
-                      </p:childTnLst>
-                    </p:cTn>
-                  </p:par>
-                  <p:par>
-                    <p:cTn id="79" fill="hold">
-                      <p:stCondLst>
-                        <p:cond delay="indefinite"/>
-                      </p:stCondLst>
-                      <p:childTnLst>
-                        <p:par>
-                          <p:cTn id="80" fill="hold">
-                            <p:stCondLst>
-                              <p:cond delay="0"/>
-                            </p:stCondLst>
-                            <p:childTnLst>
-                              <p:par>
-                                <p:cTn id="81" presetID="10" presetClass="entr" presetSubtype="0" fill="hold" grpId="0" nodeType="clickEffect">
-                                  <p:stCondLst>
-                                    <p:cond delay="0"/>
-                                  </p:stCondLst>
-                                  <p:childTnLst>
-                                    <p:set>
-                                      <p:cBhvr>
-                                        <p:cTn id="82" dur="1" fill="hold">
-                                          <p:stCondLst>
-                                            <p:cond delay="0"/>
-                                          </p:stCondLst>
-                                        </p:cTn>
-                                        <p:tgtEl>
-                                          <p:spTgt spid="49"/>
-                                        </p:tgtEl>
-                                        <p:attrNameLst>
-                                          <p:attrName>style.visibility</p:attrName>
-                                        </p:attrNameLst>
-                                      </p:cBhvr>
-                                      <p:to>
-                                        <p:strVal val="visible"/>
-                                      </p:to>
-                                    </p:set>
-                                    <p:animEffect transition="in" filter="fade">
-                                      <p:cBhvr>
-                                        <p:cTn id="83" dur="500"/>
-                                        <p:tgtEl>
                                           <p:spTgt spid="49"/>
                                         </p:tgtEl>
                                       </p:cBhvr>
@@ -8240,14 +8226,14 @@
                                 </p:cTn>
                               </p:par>
                               <p:par>
-                                <p:cTn id="84" presetID="10" presetClass="exit" presetSubtype="0" fill="hold" grpId="1" nodeType="withEffect">
+                                <p:cTn id="79" presetID="10" presetClass="exit" presetSubtype="0" fill="hold" grpId="1" nodeType="withEffect">
                                   <p:stCondLst>
                                     <p:cond delay="0"/>
                                   </p:stCondLst>
                                   <p:childTnLst>
                                     <p:animEffect transition="out" filter="fade">
                                       <p:cBhvr>
-                                        <p:cTn id="85" dur="500"/>
+                                        <p:cTn id="80" dur="500"/>
                                         <p:tgtEl>
                                           <p:spTgt spid="36"/>
                                         </p:tgtEl>
@@ -8255,7 +8241,7 @@
                                     </p:animEffect>
                                     <p:set>
                                       <p:cBhvr>
-                                        <p:cTn id="86" dur="1" fill="hold">
+                                        <p:cTn id="81" dur="1" fill="hold">
                                           <p:stCondLst>
                                             <p:cond delay="499"/>
                                           </p:stCondLst>
@@ -8271,6 +8257,59 @@
                                         <p:strVal val="hidden"/>
                                       </p:to>
                                     </p:set>
+                                  </p:childTnLst>
+                                </p:cTn>
+                              </p:par>
+                            </p:childTnLst>
+                          </p:cTn>
+                        </p:par>
+                      </p:childTnLst>
+                    </p:cTn>
+                  </p:par>
+                  <p:par>
+                    <p:cTn id="82" fill="hold">
+                      <p:stCondLst>
+                        <p:cond delay="indefinite"/>
+                      </p:stCondLst>
+                      <p:childTnLst>
+                        <p:par>
+                          <p:cTn id="83" fill="hold">
+                            <p:stCondLst>
+                              <p:cond delay="0"/>
+                            </p:stCondLst>
+                            <p:childTnLst>
+                              <p:par>
+                                <p:cTn id="84" presetID="10" presetClass="entr" presetSubtype="0" fill="hold" grpId="0" nodeType="clickEffect">
+                                  <p:stCondLst>
+                                    <p:cond delay="0"/>
+                                  </p:stCondLst>
+                                  <p:childTnLst>
+                                    <p:set>
+                                      <p:cBhvr>
+                                        <p:cTn id="85" dur="1" fill="hold">
+                                          <p:stCondLst>
+                                            <p:cond delay="0"/>
+                                          </p:stCondLst>
+                                        </p:cTn>
+                                        <p:tgtEl>
+                                          <p:spTgt spid="27"/>
+                                        </p:tgtEl>
+                                        <p:attrNameLst>
+                                          <p:attrName>style.visibility</p:attrName>
+                                        </p:attrNameLst>
+                                      </p:cBhvr>
+                                      <p:to>
+                                        <p:strVal val="visible"/>
+                                      </p:to>
+                                    </p:set>
+                                    <p:animEffect transition="in" filter="fade">
+                                      <p:cBhvr>
+                                        <p:cTn id="86" dur="500"/>
+                                        <p:tgtEl>
+                                          <p:spTgt spid="27"/>
+                                        </p:tgtEl>
+                                      </p:cBhvr>
+                                    </p:animEffect>
                                   </p:childTnLst>
                                 </p:cTn>
                               </p:par>
@@ -8306,7 +8345,7 @@
                                           </p:stCondLst>
                                         </p:cTn>
                                         <p:tgtEl>
-                                          <p:spTgt spid="27"/>
+                                          <p:spTgt spid="26"/>
                                         </p:tgtEl>
                                         <p:attrNameLst>
                                           <p:attrName>style.visibility</p:attrName>
@@ -8320,7 +8359,7 @@
                                       <p:cBhvr>
                                         <p:cTn id="91" dur="500"/>
                                         <p:tgtEl>
-                                          <p:spTgt spid="27"/>
+                                          <p:spTgt spid="26"/>
                                         </p:tgtEl>
                                       </p:cBhvr>
                                     </p:animEffect>
@@ -8359,7 +8398,7 @@
                                           </p:stCondLst>
                                         </p:cTn>
                                         <p:tgtEl>
-                                          <p:spTgt spid="26"/>
+                                          <p:spTgt spid="13"/>
                                         </p:tgtEl>
                                         <p:attrNameLst>
                                           <p:attrName>style.visibility</p:attrName>
@@ -8373,7 +8412,7 @@
                                       <p:cBhvr>
                                         <p:cTn id="96" dur="500"/>
                                         <p:tgtEl>
-                                          <p:spTgt spid="26"/>
+                                          <p:spTgt spid="13"/>
                                         </p:tgtEl>
                                       </p:cBhvr>
                                     </p:animEffect>
@@ -8412,7 +8451,7 @@
                                           </p:stCondLst>
                                         </p:cTn>
                                         <p:tgtEl>
-                                          <p:spTgt spid="13"/>
+                                          <p:spTgt spid="37"/>
                                         </p:tgtEl>
                                         <p:attrNameLst>
                                           <p:attrName>style.visibility</p:attrName>
@@ -8426,59 +8465,6 @@
                                       <p:cBhvr>
                                         <p:cTn id="101" dur="500"/>
                                         <p:tgtEl>
-                                          <p:spTgt spid="13"/>
-                                        </p:tgtEl>
-                                      </p:cBhvr>
-                                    </p:animEffect>
-                                  </p:childTnLst>
-                                </p:cTn>
-                              </p:par>
-                            </p:childTnLst>
-                          </p:cTn>
-                        </p:par>
-                      </p:childTnLst>
-                    </p:cTn>
-                  </p:par>
-                  <p:par>
-                    <p:cTn id="102" fill="hold">
-                      <p:stCondLst>
-                        <p:cond delay="indefinite"/>
-                      </p:stCondLst>
-                      <p:childTnLst>
-                        <p:par>
-                          <p:cTn id="103" fill="hold">
-                            <p:stCondLst>
-                              <p:cond delay="0"/>
-                            </p:stCondLst>
-                            <p:childTnLst>
-                              <p:par>
-                                <p:cTn id="104" presetID="10" presetClass="entr" presetSubtype="0" fill="hold" grpId="0" nodeType="clickEffect">
-                                  <p:stCondLst>
-                                    <p:cond delay="0"/>
-                                  </p:stCondLst>
-                                  <p:childTnLst>
-                                    <p:set>
-                                      <p:cBhvr>
-                                        <p:cTn id="105" dur="1" fill="hold">
-                                          <p:stCondLst>
-                                            <p:cond delay="0"/>
-                                          </p:stCondLst>
-                                        </p:cTn>
-                                        <p:tgtEl>
-                                          <p:spTgt spid="37"/>
-                                        </p:tgtEl>
-                                        <p:attrNameLst>
-                                          <p:attrName>style.visibility</p:attrName>
-                                        </p:attrNameLst>
-                                      </p:cBhvr>
-                                      <p:to>
-                                        <p:strVal val="visible"/>
-                                      </p:to>
-                                    </p:set>
-                                    <p:animEffect transition="in" filter="fade">
-                                      <p:cBhvr>
-                                        <p:cTn id="106" dur="500"/>
-                                        <p:tgtEl>
                                           <p:spTgt spid="37"/>
                                         </p:tgtEl>
                                       </p:cBhvr>
@@ -8487,14 +8473,14 @@
                                 </p:cTn>
                               </p:par>
                               <p:par>
-                                <p:cTn id="107" presetID="10" presetClass="exit" presetSubtype="0" fill="hold" grpId="1" nodeType="withEffect">
+                                <p:cTn id="102" presetID="10" presetClass="exit" presetSubtype="0" fill="hold" grpId="1" nodeType="withEffect">
                                   <p:stCondLst>
                                     <p:cond delay="0"/>
                                   </p:stCondLst>
                                   <p:childTnLst>
                                     <p:animEffect transition="out" filter="fade">
                                       <p:cBhvr>
-                                        <p:cTn id="108" dur="500"/>
+                                        <p:cTn id="103" dur="500"/>
                                         <p:tgtEl>
                                           <p:spTgt spid="49"/>
                                         </p:tgtEl>
@@ -8502,7 +8488,7 @@
                                     </p:animEffect>
                                     <p:set>
                                       <p:cBhvr>
-                                        <p:cTn id="109" dur="1" fill="hold">
+                                        <p:cTn id="104" dur="1" fill="hold">
                                           <p:stCondLst>
                                             <p:cond delay="499"/>
                                           </p:stCondLst>
@@ -8518,6 +8504,59 @@
                                         <p:strVal val="hidden"/>
                                       </p:to>
                                     </p:set>
+                                  </p:childTnLst>
+                                </p:cTn>
+                              </p:par>
+                            </p:childTnLst>
+                          </p:cTn>
+                        </p:par>
+                      </p:childTnLst>
+                    </p:cTn>
+                  </p:par>
+                  <p:par>
+                    <p:cTn id="105" fill="hold">
+                      <p:stCondLst>
+                        <p:cond delay="indefinite"/>
+                      </p:stCondLst>
+                      <p:childTnLst>
+                        <p:par>
+                          <p:cTn id="106" fill="hold">
+                            <p:stCondLst>
+                              <p:cond delay="0"/>
+                            </p:stCondLst>
+                            <p:childTnLst>
+                              <p:par>
+                                <p:cTn id="107" presetID="10" presetClass="entr" presetSubtype="0" fill="hold" grpId="0" nodeType="clickEffect">
+                                  <p:stCondLst>
+                                    <p:cond delay="0"/>
+                                  </p:stCondLst>
+                                  <p:childTnLst>
+                                    <p:set>
+                                      <p:cBhvr>
+                                        <p:cTn id="108" dur="1" fill="hold">
+                                          <p:stCondLst>
+                                            <p:cond delay="0"/>
+                                          </p:stCondLst>
+                                        </p:cTn>
+                                        <p:tgtEl>
+                                          <p:spTgt spid="78"/>
+                                        </p:tgtEl>
+                                        <p:attrNameLst>
+                                          <p:attrName>style.visibility</p:attrName>
+                                        </p:attrNameLst>
+                                      </p:cBhvr>
+                                      <p:to>
+                                        <p:strVal val="visible"/>
+                                      </p:to>
+                                    </p:set>
+                                    <p:animEffect transition="in" filter="fade">
+                                      <p:cBhvr>
+                                        <p:cTn id="109" dur="500"/>
+                                        <p:tgtEl>
+                                          <p:spTgt spid="78"/>
+                                        </p:tgtEl>
+                                      </p:cBhvr>
+                                    </p:animEffect>
                                   </p:childTnLst>
                                 </p:cTn>
                               </p:par>
@@ -8553,7 +8592,7 @@
                                           </p:stCondLst>
                                         </p:cTn>
                                         <p:tgtEl>
-                                          <p:spTgt spid="78"/>
+                                          <p:spTgt spid="44"/>
                                         </p:tgtEl>
                                         <p:attrNameLst>
                                           <p:attrName>style.visibility</p:attrName>
@@ -8567,7 +8606,7 @@
                                       <p:cBhvr>
                                         <p:cTn id="114" dur="500"/>
                                         <p:tgtEl>
-                                          <p:spTgt spid="78"/>
+                                          <p:spTgt spid="44"/>
                                         </p:tgtEl>
                                       </p:cBhvr>
                                     </p:animEffect>
@@ -8606,7 +8645,7 @@
                                           </p:stCondLst>
                                         </p:cTn>
                                         <p:tgtEl>
-                                          <p:spTgt spid="44"/>
+                                          <p:spTgt spid="14"/>
                                         </p:tgtEl>
                                         <p:attrNameLst>
                                           <p:attrName>style.visibility</p:attrName>
@@ -8620,7 +8659,7 @@
                                       <p:cBhvr>
                                         <p:cTn id="119" dur="500"/>
                                         <p:tgtEl>
-                                          <p:spTgt spid="44"/>
+                                          <p:spTgt spid="14"/>
                                         </p:tgtEl>
                                       </p:cBhvr>
                                     </p:animEffect>
@@ -8659,7 +8698,7 @@
                                           </p:stCondLst>
                                         </p:cTn>
                                         <p:tgtEl>
-                                          <p:spTgt spid="14"/>
+                                          <p:spTgt spid="38"/>
                                         </p:tgtEl>
                                         <p:attrNameLst>
                                           <p:attrName>style.visibility</p:attrName>
@@ -8673,59 +8712,6 @@
                                       <p:cBhvr>
                                         <p:cTn id="124" dur="500"/>
                                         <p:tgtEl>
-                                          <p:spTgt spid="14"/>
-                                        </p:tgtEl>
-                                      </p:cBhvr>
-                                    </p:animEffect>
-                                  </p:childTnLst>
-                                </p:cTn>
-                              </p:par>
-                            </p:childTnLst>
-                          </p:cTn>
-                        </p:par>
-                      </p:childTnLst>
-                    </p:cTn>
-                  </p:par>
-                  <p:par>
-                    <p:cTn id="125" fill="hold">
-                      <p:stCondLst>
-                        <p:cond delay="indefinite"/>
-                      </p:stCondLst>
-                      <p:childTnLst>
-                        <p:par>
-                          <p:cTn id="126" fill="hold">
-                            <p:stCondLst>
-                              <p:cond delay="0"/>
-                            </p:stCondLst>
-                            <p:childTnLst>
-                              <p:par>
-                                <p:cTn id="127" presetID="10" presetClass="entr" presetSubtype="0" fill="hold" grpId="0" nodeType="clickEffect">
-                                  <p:stCondLst>
-                                    <p:cond delay="0"/>
-                                  </p:stCondLst>
-                                  <p:childTnLst>
-                                    <p:set>
-                                      <p:cBhvr>
-                                        <p:cTn id="128" dur="1" fill="hold">
-                                          <p:stCondLst>
-                                            <p:cond delay="0"/>
-                                          </p:stCondLst>
-                                        </p:cTn>
-                                        <p:tgtEl>
-                                          <p:spTgt spid="38"/>
-                                        </p:tgtEl>
-                                        <p:attrNameLst>
-                                          <p:attrName>style.visibility</p:attrName>
-                                        </p:attrNameLst>
-                                      </p:cBhvr>
-                                      <p:to>
-                                        <p:strVal val="visible"/>
-                                      </p:to>
-                                    </p:set>
-                                    <p:animEffect transition="in" filter="fade">
-                                      <p:cBhvr>
-                                        <p:cTn id="129" dur="500"/>
-                                        <p:tgtEl>
                                           <p:spTgt spid="38"/>
                                         </p:tgtEl>
                                       </p:cBhvr>
@@ -8734,14 +8720,14 @@
                                 </p:cTn>
                               </p:par>
                               <p:par>
-                                <p:cTn id="130" presetID="10" presetClass="exit" presetSubtype="0" fill="hold" grpId="1" nodeType="withEffect">
+                                <p:cTn id="125" presetID="10" presetClass="exit" presetSubtype="0" fill="hold" grpId="1" nodeType="withEffect">
                                   <p:stCondLst>
                                     <p:cond delay="0"/>
                                   </p:stCondLst>
                                   <p:childTnLst>
                                     <p:animEffect transition="out" filter="fade">
                                       <p:cBhvr>
-                                        <p:cTn id="131" dur="500"/>
+                                        <p:cTn id="126" dur="500"/>
                                         <p:tgtEl>
                                           <p:spTgt spid="37"/>
                                         </p:tgtEl>
@@ -8749,7 +8735,7 @@
                                     </p:animEffect>
                                     <p:set>
                                       <p:cBhvr>
-                                        <p:cTn id="132" dur="1" fill="hold">
+                                        <p:cTn id="127" dur="1" fill="hold">
                                           <p:stCondLst>
                                             <p:cond delay="499"/>
                                           </p:stCondLst>
@@ -8765,6 +8751,59 @@
                                         <p:strVal val="hidden"/>
                                       </p:to>
                                     </p:set>
+                                  </p:childTnLst>
+                                </p:cTn>
+                              </p:par>
+                            </p:childTnLst>
+                          </p:cTn>
+                        </p:par>
+                      </p:childTnLst>
+                    </p:cTn>
+                  </p:par>
+                  <p:par>
+                    <p:cTn id="128" fill="hold">
+                      <p:stCondLst>
+                        <p:cond delay="indefinite"/>
+                      </p:stCondLst>
+                      <p:childTnLst>
+                        <p:par>
+                          <p:cTn id="129" fill="hold">
+                            <p:stCondLst>
+                              <p:cond delay="0"/>
+                            </p:stCondLst>
+                            <p:childTnLst>
+                              <p:par>
+                                <p:cTn id="130" presetID="10" presetClass="entr" presetSubtype="0" fill="hold" grpId="0" nodeType="clickEffect">
+                                  <p:stCondLst>
+                                    <p:cond delay="0"/>
+                                  </p:stCondLst>
+                                  <p:childTnLst>
+                                    <p:set>
+                                      <p:cBhvr>
+                                        <p:cTn id="131" dur="1" fill="hold">
+                                          <p:stCondLst>
+                                            <p:cond delay="0"/>
+                                          </p:stCondLst>
+                                        </p:cTn>
+                                        <p:tgtEl>
+                                          <p:spTgt spid="47"/>
+                                        </p:tgtEl>
+                                        <p:attrNameLst>
+                                          <p:attrName>style.visibility</p:attrName>
+                                        </p:attrNameLst>
+                                      </p:cBhvr>
+                                      <p:to>
+                                        <p:strVal val="visible"/>
+                                      </p:to>
+                                    </p:set>
+                                    <p:animEffect transition="in" filter="fade">
+                                      <p:cBhvr>
+                                        <p:cTn id="132" dur="500"/>
+                                        <p:tgtEl>
+                                          <p:spTgt spid="47"/>
+                                        </p:tgtEl>
+                                      </p:cBhvr>
+                                    </p:animEffect>
                                   </p:childTnLst>
                                 </p:cTn>
                               </p:par>
@@ -8800,7 +8839,7 @@
                                           </p:stCondLst>
                                         </p:cTn>
                                         <p:tgtEl>
-                                          <p:spTgt spid="47"/>
+                                          <p:spTgt spid="45"/>
                                         </p:tgtEl>
                                         <p:attrNameLst>
                                           <p:attrName>style.visibility</p:attrName>
@@ -8814,7 +8853,7 @@
                                       <p:cBhvr>
                                         <p:cTn id="137" dur="500"/>
                                         <p:tgtEl>
-                                          <p:spTgt spid="47"/>
+                                          <p:spTgt spid="45"/>
                                         </p:tgtEl>
                                       </p:cBhvr>
                                     </p:animEffect>
@@ -8853,7 +8892,7 @@
                                           </p:stCondLst>
                                         </p:cTn>
                                         <p:tgtEl>
-                                          <p:spTgt spid="45"/>
+                                          <p:spTgt spid="16"/>
                                         </p:tgtEl>
                                         <p:attrNameLst>
                                           <p:attrName>style.visibility</p:attrName>
@@ -8867,7 +8906,7 @@
                                       <p:cBhvr>
                                         <p:cTn id="142" dur="500"/>
                                         <p:tgtEl>
-                                          <p:spTgt spid="45"/>
+                                          <p:spTgt spid="16"/>
                                         </p:tgtEl>
                                       </p:cBhvr>
                                     </p:animEffect>
@@ -8906,7 +8945,7 @@
                                           </p:stCondLst>
                                         </p:cTn>
                                         <p:tgtEl>
-                                          <p:spTgt spid="16"/>
+                                          <p:spTgt spid="39"/>
                                         </p:tgtEl>
                                         <p:attrNameLst>
                                           <p:attrName>style.visibility</p:attrName>
@@ -8920,59 +8959,6 @@
                                       <p:cBhvr>
                                         <p:cTn id="147" dur="500"/>
                                         <p:tgtEl>
-                                          <p:spTgt spid="16"/>
-                                        </p:tgtEl>
-                                      </p:cBhvr>
-                                    </p:animEffect>
-                                  </p:childTnLst>
-                                </p:cTn>
-                              </p:par>
-                            </p:childTnLst>
-                          </p:cTn>
-                        </p:par>
-                      </p:childTnLst>
-                    </p:cTn>
-                  </p:par>
-                  <p:par>
-                    <p:cTn id="148" fill="hold">
-                      <p:stCondLst>
-                        <p:cond delay="indefinite"/>
-                      </p:stCondLst>
-                      <p:childTnLst>
-                        <p:par>
-                          <p:cTn id="149" fill="hold">
-                            <p:stCondLst>
-                              <p:cond delay="0"/>
-                            </p:stCondLst>
-                            <p:childTnLst>
-                              <p:par>
-                                <p:cTn id="150" presetID="10" presetClass="entr" presetSubtype="0" fill="hold" grpId="0" nodeType="clickEffect">
-                                  <p:stCondLst>
-                                    <p:cond delay="0"/>
-                                  </p:stCondLst>
-                                  <p:childTnLst>
-                                    <p:set>
-                                      <p:cBhvr>
-                                        <p:cTn id="151" dur="1" fill="hold">
-                                          <p:stCondLst>
-                                            <p:cond delay="0"/>
-                                          </p:stCondLst>
-                                        </p:cTn>
-                                        <p:tgtEl>
-                                          <p:spTgt spid="39"/>
-                                        </p:tgtEl>
-                                        <p:attrNameLst>
-                                          <p:attrName>style.visibility</p:attrName>
-                                        </p:attrNameLst>
-                                      </p:cBhvr>
-                                      <p:to>
-                                        <p:strVal val="visible"/>
-                                      </p:to>
-                                    </p:set>
-                                    <p:animEffect transition="in" filter="fade">
-                                      <p:cBhvr>
-                                        <p:cTn id="152" dur="500"/>
-                                        <p:tgtEl>
                                           <p:spTgt spid="39"/>
                                         </p:tgtEl>
                                       </p:cBhvr>
@@ -8981,14 +8967,14 @@
                                 </p:cTn>
                               </p:par>
                               <p:par>
-                                <p:cTn id="153" presetID="10" presetClass="exit" presetSubtype="0" fill="hold" grpId="1" nodeType="withEffect">
+                                <p:cTn id="148" presetID="10" presetClass="exit" presetSubtype="0" fill="hold" grpId="1" nodeType="withEffect">
                                   <p:stCondLst>
                                     <p:cond delay="0"/>
                                   </p:stCondLst>
                                   <p:childTnLst>
                                     <p:animEffect transition="out" filter="fade">
                                       <p:cBhvr>
-                                        <p:cTn id="154" dur="500"/>
+                                        <p:cTn id="149" dur="500"/>
                                         <p:tgtEl>
                                           <p:spTgt spid="38"/>
                                         </p:tgtEl>
@@ -8996,7 +8982,7 @@
                                     </p:animEffect>
                                     <p:set>
                                       <p:cBhvr>
-                                        <p:cTn id="155" dur="1" fill="hold">
+                                        <p:cTn id="150" dur="1" fill="hold">
                                           <p:stCondLst>
                                             <p:cond delay="499"/>
                                           </p:stCondLst>
@@ -9022,26 +9008,26 @@
                     </p:cTn>
                   </p:par>
                   <p:par>
-                    <p:cTn id="156" fill="hold">
+                    <p:cTn id="151" fill="hold">
                       <p:stCondLst>
                         <p:cond delay="indefinite"/>
                       </p:stCondLst>
                       <p:childTnLst>
                         <p:par>
-                          <p:cTn id="157" fill="hold">
+                          <p:cTn id="152" fill="hold">
                             <p:stCondLst>
                               <p:cond delay="0"/>
                             </p:stCondLst>
                             <p:childTnLst>
                               <p:par>
-                                <p:cTn id="158" presetID="10" presetClass="entr" presetSubtype="0" fill="hold" grpId="0" nodeType="clickEffect">
+                                <p:cTn id="153" presetID="10" presetClass="entr" presetSubtype="0" fill="hold" grpId="0" nodeType="clickEffect">
                                   <p:stCondLst>
                                     <p:cond delay="0"/>
                                   </p:stCondLst>
                                   <p:childTnLst>
                                     <p:set>
                                       <p:cBhvr>
-                                        <p:cTn id="159" dur="1" fill="hold">
+                                        <p:cTn id="154" dur="1" fill="hold">
                                           <p:stCondLst>
                                             <p:cond delay="0"/>
                                           </p:stCondLst>
@@ -9059,7 +9045,7 @@
                                     </p:set>
                                     <p:animEffect transition="in" filter="fade">
                                       <p:cBhvr>
-                                        <p:cTn id="160" dur="500"/>
+                                        <p:cTn id="155" dur="500"/>
                                         <p:tgtEl>
                                           <p:spTgt spid="41"/>
                                         </p:tgtEl>
@@ -9069,14 +9055,14 @@
                                 </p:cTn>
                               </p:par>
                               <p:par>
-                                <p:cTn id="161" presetID="10" presetClass="exit" presetSubtype="0" fill="hold" grpId="1" nodeType="withEffect">
+                                <p:cTn id="156" presetID="10" presetClass="exit" presetSubtype="0" fill="hold" grpId="1" nodeType="withEffect">
                                   <p:stCondLst>
                                     <p:cond delay="0"/>
                                   </p:stCondLst>
                                   <p:childTnLst>
                                     <p:animEffect transition="out" filter="fade">
                                       <p:cBhvr>
-                                        <p:cTn id="162" dur="500"/>
+                                        <p:cTn id="157" dur="500"/>
                                         <p:tgtEl>
                                           <p:spTgt spid="39"/>
                                         </p:tgtEl>
@@ -9084,7 +9070,7 @@
                                     </p:animEffect>
                                     <p:set>
                                       <p:cBhvr>
-                                        <p:cTn id="163" dur="1" fill="hold">
+                                        <p:cTn id="158" dur="1" fill="hold">
                                           <p:stCondLst>
                                             <p:cond delay="499"/>
                                           </p:stCondLst>
@@ -9110,26 +9096,26 @@
                     </p:cTn>
                   </p:par>
                   <p:par>
-                    <p:cTn id="164" fill="hold">
+                    <p:cTn id="159" fill="hold">
                       <p:stCondLst>
                         <p:cond delay="indefinite"/>
                       </p:stCondLst>
                       <p:childTnLst>
                         <p:par>
-                          <p:cTn id="165" fill="hold">
+                          <p:cTn id="160" fill="hold">
                             <p:stCondLst>
                               <p:cond delay="0"/>
                             </p:stCondLst>
                             <p:childTnLst>
                               <p:par>
-                                <p:cTn id="166" presetID="10" presetClass="entr" presetSubtype="0" fill="hold" nodeType="clickEffect">
+                                <p:cTn id="161" presetID="10" presetClass="entr" presetSubtype="0" fill="hold" nodeType="clickEffect">
                                   <p:stCondLst>
                                     <p:cond delay="0"/>
                                   </p:stCondLst>
                                   <p:childTnLst>
                                     <p:set>
                                       <p:cBhvr>
-                                        <p:cTn id="167" dur="1" fill="hold">
+                                        <p:cTn id="162" dur="1" fill="hold">
                                           <p:stCondLst>
                                             <p:cond delay="0"/>
                                           </p:stCondLst>
@@ -9147,7 +9133,7 @@
                                     </p:set>
                                     <p:animEffect transition="in" filter="fade">
                                       <p:cBhvr>
-                                        <p:cTn id="168" dur="500"/>
+                                        <p:cTn id="163" dur="500"/>
                                         <p:tgtEl>
                                           <p:spTgt spid="21"/>
                                         </p:tgtEl>
@@ -9163,26 +9149,26 @@
                     </p:cTn>
                   </p:par>
                   <p:par>
-                    <p:cTn id="169" fill="hold">
+                    <p:cTn id="164" fill="hold">
                       <p:stCondLst>
                         <p:cond delay="indefinite"/>
                       </p:stCondLst>
                       <p:childTnLst>
                         <p:par>
-                          <p:cTn id="170" fill="hold">
+                          <p:cTn id="165" fill="hold">
                             <p:stCondLst>
                               <p:cond delay="0"/>
                             </p:stCondLst>
                             <p:childTnLst>
                               <p:par>
-                                <p:cTn id="171" presetID="10" presetClass="entr" presetSubtype="0" fill="hold" grpId="0" nodeType="clickEffect">
+                                <p:cTn id="166" presetID="10" presetClass="entr" presetSubtype="0" fill="hold" grpId="0" nodeType="clickEffect">
                                   <p:stCondLst>
                                     <p:cond delay="0"/>
                                   </p:stCondLst>
                                   <p:childTnLst>
                                     <p:set>
                                       <p:cBhvr>
-                                        <p:cTn id="172" dur="1" fill="hold">
+                                        <p:cTn id="167" dur="1" fill="hold">
                                           <p:stCondLst>
                                             <p:cond delay="0"/>
                                           </p:stCondLst>
@@ -9200,7 +9186,7 @@
                                     </p:set>
                                     <p:animEffect transition="in" filter="fade">
                                       <p:cBhvr>
-                                        <p:cTn id="173" dur="500"/>
+                                        <p:cTn id="168" dur="500"/>
                                         <p:tgtEl>
                                           <p:spTgt spid="48"/>
                                         </p:tgtEl>
@@ -9210,14 +9196,14 @@
                                 </p:cTn>
                               </p:par>
                               <p:par>
-                                <p:cTn id="174" presetID="1" presetClass="exit" presetSubtype="0" fill="hold" nodeType="withEffect">
+                                <p:cTn id="169" presetID="1" presetClass="exit" presetSubtype="0" fill="hold" nodeType="withEffect">
                                   <p:stCondLst>
                                     <p:cond delay="0"/>
                                   </p:stCondLst>
                                   <p:childTnLst>
                                     <p:set>
                                       <p:cBhvr>
-                                        <p:cTn id="175" dur="1" fill="hold">
+                                        <p:cTn id="170" dur="1" fill="hold">
                                           <p:stCondLst>
                                             <p:cond delay="0"/>
                                           </p:stCondLst>
@@ -9237,14 +9223,14 @@
                                 </p:cTn>
                               </p:par>
                               <p:par>
-                                <p:cTn id="176" presetID="10" presetClass="exit" presetSubtype="0" fill="hold" grpId="1" nodeType="withEffect">
+                                <p:cTn id="171" presetID="10" presetClass="exit" presetSubtype="0" fill="hold" grpId="1" nodeType="withEffect">
                                   <p:stCondLst>
                                     <p:cond delay="0"/>
                                   </p:stCondLst>
                                   <p:childTnLst>
                                     <p:animEffect transition="out" filter="fade">
                                       <p:cBhvr>
-                                        <p:cTn id="177" dur="500"/>
+                                        <p:cTn id="172" dur="500"/>
                                         <p:tgtEl>
                                           <p:spTgt spid="41"/>
                                         </p:tgtEl>
@@ -9252,7 +9238,7 @@
                                     </p:animEffect>
                                     <p:set>
                                       <p:cBhvr>
-                                        <p:cTn id="178" dur="1" fill="hold">
+                                        <p:cTn id="173" dur="1" fill="hold">
                                           <p:stCondLst>
                                             <p:cond delay="499"/>
                                           </p:stCondLst>
@@ -9299,8 +9285,7 @@
       </p:par>
     </p:tnLst>
     <p:bldLst>
-      <p:bldP spid="30" grpId="0"/>
-      <p:bldP spid="34" grpId="0"/>
+      <p:bldP spid="7" grpId="0"/>
       <p:bldP spid="77" grpId="0" animBg="1"/>
       <p:bldP spid="78" grpId="0" animBg="1"/>
       <p:bldP spid="43" grpId="0"/>
@@ -9547,6 +9532,13 @@
   <p:clrMapOvr>
     <a:masterClrMapping/>
   </p:clrMapOvr>
+  <p:timing>
+    <p:tnLst>
+      <p:par>
+        <p:cTn id="1" dur="indefinite" restart="never" nodeType="tmRoot"/>
+      </p:par>
+    </p:tnLst>
+  </p:timing>
 </p:sld>
 </file>
 
